--- a/NATIONAL INSTITUTE OF INFORMATION TECHNOLOGY.pptx
+++ b/NATIONAL INSTITUTE OF INFORMATION TECHNOLOGY.pptx
@@ -11,6 +11,12 @@
     <p:sldId id="259" r:id="rId5"/>
     <p:sldId id="260" r:id="rId6"/>
     <p:sldId id="261" r:id="rId7"/>
+    <p:sldId id="262" r:id="rId8"/>
+    <p:sldId id="264" r:id="rId9"/>
+    <p:sldId id="265" r:id="rId10"/>
+    <p:sldId id="267" r:id="rId11"/>
+    <p:sldId id="266" r:id="rId12"/>
+    <p:sldId id="263" r:id="rId13"/>
   </p:sldIdLst>
   <p:sldSz cx="9144000" cy="6858000" type="screen4x3"/>
   <p:notesSz cx="6858000" cy="9144000"/>
@@ -3277,6 +3283,179 @@
 </p:sld>
 </file>
 
+<file path=ppt/slides/slide10.xml><?xml version="1.0" encoding="utf-8"?>
+<p:sld xmlns:a="http://schemas.openxmlformats.org/drawingml/2006/main" xmlns:r="http://schemas.openxmlformats.org/officeDocument/2006/relationships" xmlns:p="http://schemas.openxmlformats.org/presentationml/2006/main">
+  <p:cSld>
+    <p:spTree>
+      <p:nvGrpSpPr>
+        <p:cNvPr id="1" name=""/>
+        <p:cNvGrpSpPr/>
+        <p:nvPr/>
+      </p:nvGrpSpPr>
+      <p:grpSpPr>
+        <a:xfrm>
+          <a:off x="0" y="0"/>
+          <a:ext cx="0" cy="0"/>
+          <a:chOff x="0" y="0"/>
+          <a:chExt cx="0" cy="0"/>
+        </a:xfrm>
+      </p:grpSpPr>
+      <p:pic>
+        <p:nvPicPr>
+          <p:cNvPr id="2" name="Picture 1" descr="home2.JPG"/>
+          <p:cNvPicPr>
+            <a:picLocks noChangeAspect="1"/>
+          </p:cNvPicPr>
+          <p:nvPr/>
+        </p:nvPicPr>
+        <p:blipFill>
+          <a:blip r:embed="rId2"/>
+          <a:stretch>
+            <a:fillRect/>
+          </a:stretch>
+        </p:blipFill>
+        <p:spPr>
+          <a:xfrm>
+            <a:off x="0" y="1310764"/>
+            <a:ext cx="9144000" cy="4236471"/>
+          </a:xfrm>
+          <a:prstGeom prst="rect">
+            <a:avLst/>
+          </a:prstGeom>
+        </p:spPr>
+      </p:pic>
+    </p:spTree>
+  </p:cSld>
+  <p:clrMapOvr>
+    <a:masterClrMapping/>
+  </p:clrMapOvr>
+</p:sld>
+</file>
+
+<file path=ppt/slides/slide11.xml><?xml version="1.0" encoding="utf-8"?>
+<p:sld xmlns:a="http://schemas.openxmlformats.org/drawingml/2006/main" xmlns:r="http://schemas.openxmlformats.org/officeDocument/2006/relationships" xmlns:p="http://schemas.openxmlformats.org/presentationml/2006/main">
+  <p:cSld>
+    <p:spTree>
+      <p:nvGrpSpPr>
+        <p:cNvPr id="1" name=""/>
+        <p:cNvGrpSpPr/>
+        <p:nvPr/>
+      </p:nvGrpSpPr>
+      <p:grpSpPr>
+        <a:xfrm>
+          <a:off x="0" y="0"/>
+          <a:ext cx="0" cy="0"/>
+          <a:chOff x="0" y="0"/>
+          <a:chExt cx="0" cy="0"/>
+        </a:xfrm>
+      </p:grpSpPr>
+      <p:pic>
+        <p:nvPicPr>
+          <p:cNvPr id="2" name="Picture 1" descr="products.JPG"/>
+          <p:cNvPicPr>
+            <a:picLocks noChangeAspect="1"/>
+          </p:cNvPicPr>
+          <p:nvPr/>
+        </p:nvPicPr>
+        <p:blipFill>
+          <a:blip r:embed="rId2"/>
+          <a:stretch>
+            <a:fillRect/>
+          </a:stretch>
+        </p:blipFill>
+        <p:spPr>
+          <a:xfrm>
+            <a:off x="0" y="1312836"/>
+            <a:ext cx="9144000" cy="4554564"/>
+          </a:xfrm>
+          <a:prstGeom prst="rect">
+            <a:avLst/>
+          </a:prstGeom>
+        </p:spPr>
+      </p:pic>
+    </p:spTree>
+  </p:cSld>
+  <p:clrMapOvr>
+    <a:masterClrMapping/>
+  </p:clrMapOvr>
+</p:sld>
+</file>
+
+<file path=ppt/slides/slide12.xml><?xml version="1.0" encoding="utf-8"?>
+<p:sld xmlns:a="http://schemas.openxmlformats.org/drawingml/2006/main" xmlns:r="http://schemas.openxmlformats.org/officeDocument/2006/relationships" xmlns:p="http://schemas.openxmlformats.org/presentationml/2006/main">
+  <p:cSld>
+    <p:spTree>
+      <p:nvGrpSpPr>
+        <p:cNvPr id="1" name=""/>
+        <p:cNvGrpSpPr/>
+        <p:nvPr/>
+      </p:nvGrpSpPr>
+      <p:grpSpPr>
+        <a:xfrm>
+          <a:off x="0" y="0"/>
+          <a:ext cx="0" cy="0"/>
+          <a:chOff x="0" y="0"/>
+          <a:chExt cx="0" cy="0"/>
+        </a:xfrm>
+      </p:grpSpPr>
+      <p:sp>
+        <p:nvSpPr>
+          <p:cNvPr id="2" name="TextBox 1"/>
+          <p:cNvSpPr txBox="1"/>
+          <p:nvPr/>
+        </p:nvSpPr>
+        <p:spPr>
+          <a:xfrm>
+            <a:off x="838200" y="1600200"/>
+            <a:ext cx="7620000" cy="1200329"/>
+          </a:xfrm>
+          <a:prstGeom prst="rect">
+            <a:avLst/>
+          </a:prstGeom>
+          <a:noFill/>
+        </p:spPr>
+        <p:txBody>
+          <a:bodyPr wrap="square" rtlCol="0">
+            <a:spAutoFit/>
+          </a:bodyPr>
+          <a:lstStyle/>
+          <a:p>
+            <a:pPr algn="ctr"/>
+            <a:r>
+              <a:rPr lang="en-US" sz="7200" dirty="0" smtClean="0">
+                <a:solidFill>
+                  <a:srgbClr val="FF0000"/>
+                </a:solidFill>
+                <a:latin typeface="Aharoni" pitchFamily="2" charset="-79"/>
+                <a:cs typeface="Aharoni" pitchFamily="2" charset="-79"/>
+              </a:rPr>
+              <a:t>Thank you</a:t>
+            </a:r>
+            <a:endParaRPr lang="en-US" sz="7200" dirty="0">
+              <a:solidFill>
+                <a:srgbClr val="FF0000"/>
+              </a:solidFill>
+              <a:latin typeface="Aharoni" pitchFamily="2" charset="-79"/>
+              <a:cs typeface="Aharoni" pitchFamily="2" charset="-79"/>
+            </a:endParaRPr>
+          </a:p>
+        </p:txBody>
+      </p:sp>
+    </p:spTree>
+  </p:cSld>
+  <p:clrMapOvr>
+    <a:masterClrMapping/>
+  </p:clrMapOvr>
+  <p:timing>
+    <p:tnLst>
+      <p:par>
+        <p:cTn id="1" dur="indefinite" restart="never" nodeType="tmRoot"/>
+      </p:par>
+    </p:tnLst>
+  </p:timing>
+</p:sld>
+</file>
+
 <file path=ppt/slides/slide2.xml><?xml version="1.0" encoding="utf-8"?>
 <p:sld xmlns:a="http://schemas.openxmlformats.org/drawingml/2006/main" xmlns:r="http://schemas.openxmlformats.org/officeDocument/2006/relationships" xmlns:p="http://schemas.openxmlformats.org/presentationml/2006/main">
   <p:cSld>
@@ -3669,11 +3848,7 @@
             </a:r>
             <a:r>
               <a:rPr lang="en-US" dirty="0" smtClean="0"/>
-              <a:t> developer to create a customized </a:t>
-            </a:r>
-            <a:r>
-              <a:rPr lang="en-US" dirty="0" smtClean="0"/>
-              <a:t>development environment from </a:t>
+              <a:t> developer to create a customized development environment from </a:t>
             </a:r>
             <a:r>
               <a:rPr lang="en-US" dirty="0" err="1" smtClean="0"/>
@@ -3780,11 +3955,7 @@
             </a:r>
             <a:r>
               <a:rPr lang="en-US" dirty="0" smtClean="0"/>
-              <a:t> management system written in Java. It can be embedded in Java applications or run in the client-server mode</a:t>
-            </a:r>
-            <a:r>
-              <a:rPr lang="en-US" dirty="0" smtClean="0"/>
-              <a:t>.</a:t>
+              <a:t> management system written in Java. It can be embedded in Java applications or run in the client-server mode.</a:t>
             </a:r>
           </a:p>
           <a:p>
@@ -3978,6 +4149,1161 @@
       </p:par>
     </p:tnLst>
   </p:timing>
+</p:sld>
+</file>
+
+<file path=ppt/slides/slide7.xml><?xml version="1.0" encoding="utf-8"?>
+<p:sld xmlns:a="http://schemas.openxmlformats.org/drawingml/2006/main" xmlns:r="http://schemas.openxmlformats.org/officeDocument/2006/relationships" xmlns:p="http://schemas.openxmlformats.org/presentationml/2006/main">
+  <p:cSld>
+    <p:spTree>
+      <p:nvGrpSpPr>
+        <p:cNvPr id="1" name=""/>
+        <p:cNvGrpSpPr/>
+        <p:nvPr/>
+      </p:nvGrpSpPr>
+      <p:grpSpPr>
+        <a:xfrm>
+          <a:off x="0" y="0"/>
+          <a:ext cx="0" cy="0"/>
+          <a:chOff x="0" y="0"/>
+          <a:chExt cx="0" cy="0"/>
+        </a:xfrm>
+      </p:grpSpPr>
+      <p:sp>
+        <p:nvSpPr>
+          <p:cNvPr id="4" name="TextBox 3"/>
+          <p:cNvSpPr txBox="1"/>
+          <p:nvPr/>
+        </p:nvSpPr>
+        <p:spPr>
+          <a:xfrm>
+            <a:off x="1371600" y="1295400"/>
+            <a:ext cx="1066800" cy="369332"/>
+          </a:xfrm>
+          <a:prstGeom prst="rect">
+            <a:avLst/>
+          </a:prstGeom>
+          <a:noFill/>
+        </p:spPr>
+        <p:txBody>
+          <a:bodyPr wrap="square" rtlCol="0">
+            <a:spAutoFit/>
+          </a:bodyPr>
+          <a:lstStyle/>
+          <a:p>
+            <a:r>
+              <a:rPr lang="en-US" dirty="0" smtClean="0"/>
+              <a:t>Request</a:t>
+            </a:r>
+            <a:endParaRPr lang="en-US" dirty="0"/>
+          </a:p>
+        </p:txBody>
+      </p:sp>
+      <p:cxnSp>
+        <p:nvCxnSpPr>
+          <p:cNvPr id="6" name="Straight Arrow Connector 5"/>
+          <p:cNvCxnSpPr/>
+          <p:nvPr/>
+        </p:nvCxnSpPr>
+        <p:spPr>
+          <a:xfrm>
+            <a:off x="2286000" y="1524000"/>
+            <a:ext cx="990600" cy="1588"/>
+          </a:xfrm>
+          <a:prstGeom prst="straightConnector1">
+            <a:avLst/>
+          </a:prstGeom>
+          <a:ln>
+            <a:tailEnd type="arrow"/>
+          </a:ln>
+        </p:spPr>
+        <p:style>
+          <a:lnRef idx="1">
+            <a:schemeClr val="accent1"/>
+          </a:lnRef>
+          <a:fillRef idx="0">
+            <a:schemeClr val="accent1"/>
+          </a:fillRef>
+          <a:effectRef idx="0">
+            <a:schemeClr val="accent1"/>
+          </a:effectRef>
+          <a:fontRef idx="minor">
+            <a:schemeClr val="tx1"/>
+          </a:fontRef>
+        </p:style>
+      </p:cxnSp>
+      <p:sp>
+        <p:nvSpPr>
+          <p:cNvPr id="8" name="TextBox 7"/>
+          <p:cNvSpPr txBox="1"/>
+          <p:nvPr/>
+        </p:nvSpPr>
+        <p:spPr>
+          <a:xfrm>
+            <a:off x="3276600" y="1295400"/>
+            <a:ext cx="1143000" cy="369332"/>
+          </a:xfrm>
+          <a:prstGeom prst="rect">
+            <a:avLst/>
+          </a:prstGeom>
+          <a:noFill/>
+        </p:spPr>
+        <p:txBody>
+          <a:bodyPr wrap="square" rtlCol="0">
+            <a:spAutoFit/>
+          </a:bodyPr>
+          <a:lstStyle/>
+          <a:p>
+            <a:r>
+              <a:rPr lang="en-US" dirty="0" smtClean="0"/>
+              <a:t>Web.xml</a:t>
+            </a:r>
+            <a:endParaRPr lang="en-US" dirty="0"/>
+          </a:p>
+        </p:txBody>
+      </p:sp>
+      <p:cxnSp>
+        <p:nvCxnSpPr>
+          <p:cNvPr id="10" name="Straight Arrow Connector 9"/>
+          <p:cNvCxnSpPr>
+            <a:stCxn id="8" idx="2"/>
+          </p:cNvCxnSpPr>
+          <p:nvPr/>
+        </p:nvCxnSpPr>
+        <p:spPr>
+          <a:xfrm rot="16200000" flipH="1">
+            <a:off x="3708916" y="1803916"/>
+            <a:ext cx="468868" cy="190500"/>
+          </a:xfrm>
+          <a:prstGeom prst="straightConnector1">
+            <a:avLst/>
+          </a:prstGeom>
+          <a:ln>
+            <a:tailEnd type="arrow"/>
+          </a:ln>
+        </p:spPr>
+        <p:style>
+          <a:lnRef idx="1">
+            <a:schemeClr val="accent1"/>
+          </a:lnRef>
+          <a:fillRef idx="0">
+            <a:schemeClr val="accent1"/>
+          </a:fillRef>
+          <a:effectRef idx="0">
+            <a:schemeClr val="accent1"/>
+          </a:effectRef>
+          <a:fontRef idx="minor">
+            <a:schemeClr val="tx1"/>
+          </a:fontRef>
+        </p:style>
+      </p:cxnSp>
+      <p:sp>
+        <p:nvSpPr>
+          <p:cNvPr id="12" name="Rectangle 11"/>
+          <p:cNvSpPr/>
+          <p:nvPr/>
+        </p:nvSpPr>
+        <p:spPr>
+          <a:xfrm>
+            <a:off x="3352800" y="2133600"/>
+            <a:ext cx="1676400" cy="609600"/>
+          </a:xfrm>
+          <a:prstGeom prst="rect">
+            <a:avLst/>
+          </a:prstGeom>
+          <a:solidFill>
+            <a:schemeClr val="bg1"/>
+          </a:solidFill>
+        </p:spPr>
+        <p:style>
+          <a:lnRef idx="2">
+            <a:schemeClr val="accent1">
+              <a:shade val="50000"/>
+            </a:schemeClr>
+          </a:lnRef>
+          <a:fillRef idx="1">
+            <a:schemeClr val="accent1"/>
+          </a:fillRef>
+          <a:effectRef idx="0">
+            <a:schemeClr val="accent1"/>
+          </a:effectRef>
+          <a:fontRef idx="minor">
+            <a:schemeClr val="lt1"/>
+          </a:fontRef>
+        </p:style>
+        <p:txBody>
+          <a:bodyPr rtlCol="0" anchor="ctr"/>
+          <a:lstStyle/>
+          <a:p>
+            <a:pPr algn="ctr"/>
+            <a:r>
+              <a:rPr lang="en-US" dirty="0" smtClean="0">
+                <a:solidFill>
+                  <a:schemeClr val="tx1"/>
+                </a:solidFill>
+              </a:rPr>
+              <a:t>Dispatcher </a:t>
+            </a:r>
+            <a:r>
+              <a:rPr lang="en-US" dirty="0" err="1" smtClean="0">
+                <a:solidFill>
+                  <a:schemeClr val="tx1"/>
+                </a:solidFill>
+              </a:rPr>
+              <a:t>Servlet</a:t>
+            </a:r>
+            <a:endParaRPr lang="en-US" dirty="0">
+              <a:solidFill>
+                <a:schemeClr val="tx1"/>
+              </a:solidFill>
+            </a:endParaRPr>
+          </a:p>
+        </p:txBody>
+      </p:sp>
+      <p:sp>
+        <p:nvSpPr>
+          <p:cNvPr id="13" name="Rectangle 12"/>
+          <p:cNvSpPr/>
+          <p:nvPr/>
+        </p:nvSpPr>
+        <p:spPr>
+          <a:xfrm>
+            <a:off x="6248400" y="1066800"/>
+            <a:ext cx="1600200" cy="990600"/>
+          </a:xfrm>
+          <a:prstGeom prst="rect">
+            <a:avLst/>
+          </a:prstGeom>
+          <a:solidFill>
+            <a:schemeClr val="bg1"/>
+          </a:solidFill>
+        </p:spPr>
+        <p:style>
+          <a:lnRef idx="2">
+            <a:schemeClr val="accent1">
+              <a:shade val="50000"/>
+            </a:schemeClr>
+          </a:lnRef>
+          <a:fillRef idx="1">
+            <a:schemeClr val="accent1"/>
+          </a:fillRef>
+          <a:effectRef idx="0">
+            <a:schemeClr val="accent1"/>
+          </a:effectRef>
+          <a:fontRef idx="minor">
+            <a:schemeClr val="lt1"/>
+          </a:fontRef>
+        </p:style>
+        <p:txBody>
+          <a:bodyPr rtlCol="0" anchor="ctr"/>
+          <a:lstStyle/>
+          <a:p>
+            <a:pPr algn="ctr"/>
+            <a:r>
+              <a:rPr lang="en-US" dirty="0" smtClean="0">
+                <a:solidFill>
+                  <a:schemeClr val="tx1"/>
+                </a:solidFill>
+              </a:rPr>
+              <a:t>Handler Mapping</a:t>
+            </a:r>
+            <a:endParaRPr lang="en-US" dirty="0">
+              <a:solidFill>
+                <a:schemeClr val="tx1"/>
+              </a:solidFill>
+            </a:endParaRPr>
+          </a:p>
+        </p:txBody>
+      </p:sp>
+      <p:cxnSp>
+        <p:nvCxnSpPr>
+          <p:cNvPr id="15" name="Straight Arrow Connector 14"/>
+          <p:cNvCxnSpPr>
+            <a:endCxn id="13" idx="1"/>
+          </p:cNvCxnSpPr>
+          <p:nvPr/>
+        </p:nvCxnSpPr>
+        <p:spPr>
+          <a:xfrm flipV="1">
+            <a:off x="5029200" y="1562100"/>
+            <a:ext cx="1219200" cy="571500"/>
+          </a:xfrm>
+          <a:prstGeom prst="straightConnector1">
+            <a:avLst/>
+          </a:prstGeom>
+          <a:ln>
+            <a:tailEnd type="arrow"/>
+          </a:ln>
+        </p:spPr>
+        <p:style>
+          <a:lnRef idx="1">
+            <a:schemeClr val="accent1"/>
+          </a:lnRef>
+          <a:fillRef idx="0">
+            <a:schemeClr val="accent1"/>
+          </a:fillRef>
+          <a:effectRef idx="0">
+            <a:schemeClr val="accent1"/>
+          </a:effectRef>
+          <a:fontRef idx="minor">
+            <a:schemeClr val="tx1"/>
+          </a:fontRef>
+        </p:style>
+      </p:cxnSp>
+      <p:cxnSp>
+        <p:nvCxnSpPr>
+          <p:cNvPr id="17" name="Straight Arrow Connector 16"/>
+          <p:cNvCxnSpPr>
+            <a:endCxn id="12" idx="3"/>
+          </p:cNvCxnSpPr>
+          <p:nvPr/>
+        </p:nvCxnSpPr>
+        <p:spPr>
+          <a:xfrm rot="10800000" flipV="1">
+            <a:off x="5029200" y="1981200"/>
+            <a:ext cx="1219200" cy="457200"/>
+          </a:xfrm>
+          <a:prstGeom prst="straightConnector1">
+            <a:avLst/>
+          </a:prstGeom>
+          <a:ln>
+            <a:tailEnd type="arrow"/>
+          </a:ln>
+        </p:spPr>
+        <p:style>
+          <a:lnRef idx="1">
+            <a:schemeClr val="accent1"/>
+          </a:lnRef>
+          <a:fillRef idx="0">
+            <a:schemeClr val="accent1"/>
+          </a:fillRef>
+          <a:effectRef idx="0">
+            <a:schemeClr val="accent1"/>
+          </a:effectRef>
+          <a:fontRef idx="minor">
+            <a:schemeClr val="tx1"/>
+          </a:fontRef>
+        </p:style>
+      </p:cxnSp>
+      <p:sp>
+        <p:nvSpPr>
+          <p:cNvPr id="18" name="Rectangle 17"/>
+          <p:cNvSpPr/>
+          <p:nvPr/>
+        </p:nvSpPr>
+        <p:spPr>
+          <a:xfrm>
+            <a:off x="6248400" y="3048000"/>
+            <a:ext cx="1752600" cy="609600"/>
+          </a:xfrm>
+          <a:prstGeom prst="rect">
+            <a:avLst/>
+          </a:prstGeom>
+          <a:solidFill>
+            <a:schemeClr val="bg1"/>
+          </a:solidFill>
+        </p:spPr>
+        <p:style>
+          <a:lnRef idx="2">
+            <a:schemeClr val="accent1">
+              <a:shade val="50000"/>
+            </a:schemeClr>
+          </a:lnRef>
+          <a:fillRef idx="1">
+            <a:schemeClr val="accent1"/>
+          </a:fillRef>
+          <a:effectRef idx="0">
+            <a:schemeClr val="accent1"/>
+          </a:effectRef>
+          <a:fontRef idx="minor">
+            <a:schemeClr val="lt1"/>
+          </a:fontRef>
+        </p:style>
+        <p:txBody>
+          <a:bodyPr rtlCol="0" anchor="ctr"/>
+          <a:lstStyle/>
+          <a:p>
+            <a:pPr algn="ctr"/>
+            <a:r>
+              <a:rPr lang="en-US" dirty="0" smtClean="0">
+                <a:solidFill>
+                  <a:schemeClr val="tx1"/>
+                </a:solidFill>
+              </a:rPr>
+              <a:t>Controller</a:t>
+            </a:r>
+            <a:endParaRPr lang="en-US" dirty="0">
+              <a:solidFill>
+                <a:schemeClr val="tx1"/>
+              </a:solidFill>
+            </a:endParaRPr>
+          </a:p>
+        </p:txBody>
+      </p:sp>
+      <p:cxnSp>
+        <p:nvCxnSpPr>
+          <p:cNvPr id="20" name="Straight Arrow Connector 19"/>
+          <p:cNvCxnSpPr>
+            <a:stCxn id="13" idx="2"/>
+          </p:cNvCxnSpPr>
+          <p:nvPr/>
+        </p:nvCxnSpPr>
+        <p:spPr>
+          <a:xfrm rot="5400000">
+            <a:off x="6534150" y="2533650"/>
+            <a:ext cx="990600" cy="38100"/>
+          </a:xfrm>
+          <a:prstGeom prst="straightConnector1">
+            <a:avLst/>
+          </a:prstGeom>
+          <a:ln>
+            <a:tailEnd type="arrow"/>
+          </a:ln>
+        </p:spPr>
+        <p:style>
+          <a:lnRef idx="1">
+            <a:schemeClr val="accent1"/>
+          </a:lnRef>
+          <a:fillRef idx="0">
+            <a:schemeClr val="accent1"/>
+          </a:fillRef>
+          <a:effectRef idx="0">
+            <a:schemeClr val="accent1"/>
+          </a:effectRef>
+          <a:fontRef idx="minor">
+            <a:schemeClr val="tx1"/>
+          </a:fontRef>
+        </p:style>
+      </p:cxnSp>
+      <p:sp>
+        <p:nvSpPr>
+          <p:cNvPr id="21" name="Rectangle 20"/>
+          <p:cNvSpPr/>
+          <p:nvPr/>
+        </p:nvSpPr>
+        <p:spPr>
+          <a:xfrm>
+            <a:off x="3352800" y="4038600"/>
+            <a:ext cx="1600200" cy="685800"/>
+          </a:xfrm>
+          <a:prstGeom prst="rect">
+            <a:avLst/>
+          </a:prstGeom>
+          <a:solidFill>
+            <a:schemeClr val="bg1"/>
+          </a:solidFill>
+        </p:spPr>
+        <p:style>
+          <a:lnRef idx="2">
+            <a:schemeClr val="accent1">
+              <a:shade val="50000"/>
+            </a:schemeClr>
+          </a:lnRef>
+          <a:fillRef idx="1">
+            <a:schemeClr val="accent1"/>
+          </a:fillRef>
+          <a:effectRef idx="0">
+            <a:schemeClr val="accent1"/>
+          </a:effectRef>
+          <a:fontRef idx="minor">
+            <a:schemeClr val="lt1"/>
+          </a:fontRef>
+        </p:style>
+        <p:txBody>
+          <a:bodyPr rtlCol="0" anchor="ctr"/>
+          <a:lstStyle/>
+          <a:p>
+            <a:pPr algn="ctr"/>
+            <a:r>
+              <a:rPr lang="en-US" dirty="0" smtClean="0">
+                <a:solidFill>
+                  <a:schemeClr val="tx1"/>
+                </a:solidFill>
+              </a:rPr>
+              <a:t>View Resolver</a:t>
+            </a:r>
+            <a:endParaRPr lang="en-US" dirty="0">
+              <a:solidFill>
+                <a:schemeClr val="tx1"/>
+              </a:solidFill>
+            </a:endParaRPr>
+          </a:p>
+        </p:txBody>
+      </p:sp>
+      <p:cxnSp>
+        <p:nvCxnSpPr>
+          <p:cNvPr id="23" name="Straight Arrow Connector 22"/>
+          <p:cNvCxnSpPr/>
+          <p:nvPr/>
+        </p:nvCxnSpPr>
+        <p:spPr>
+          <a:xfrm rot="5400000">
+            <a:off x="3162300" y="3390900"/>
+            <a:ext cx="1295400" cy="1588"/>
+          </a:xfrm>
+          <a:prstGeom prst="straightConnector1">
+            <a:avLst/>
+          </a:prstGeom>
+          <a:ln>
+            <a:tailEnd type="arrow"/>
+          </a:ln>
+        </p:spPr>
+        <p:style>
+          <a:lnRef idx="1">
+            <a:schemeClr val="accent1"/>
+          </a:lnRef>
+          <a:fillRef idx="0">
+            <a:schemeClr val="accent1"/>
+          </a:fillRef>
+          <a:effectRef idx="0">
+            <a:schemeClr val="accent1"/>
+          </a:effectRef>
+          <a:fontRef idx="minor">
+            <a:schemeClr val="tx1"/>
+          </a:fontRef>
+        </p:style>
+      </p:cxnSp>
+      <p:cxnSp>
+        <p:nvCxnSpPr>
+          <p:cNvPr id="29" name="Straight Arrow Connector 28"/>
+          <p:cNvCxnSpPr/>
+          <p:nvPr/>
+        </p:nvCxnSpPr>
+        <p:spPr>
+          <a:xfrm rot="5400000" flipH="1" flipV="1">
+            <a:off x="3695700" y="3390900"/>
+            <a:ext cx="1295400" cy="1588"/>
+          </a:xfrm>
+          <a:prstGeom prst="straightConnector1">
+            <a:avLst/>
+          </a:prstGeom>
+          <a:ln>
+            <a:tailEnd type="arrow"/>
+          </a:ln>
+        </p:spPr>
+        <p:style>
+          <a:lnRef idx="1">
+            <a:schemeClr val="accent1"/>
+          </a:lnRef>
+          <a:fillRef idx="0">
+            <a:schemeClr val="accent1"/>
+          </a:fillRef>
+          <a:effectRef idx="0">
+            <a:schemeClr val="accent1"/>
+          </a:effectRef>
+          <a:fontRef idx="minor">
+            <a:schemeClr val="tx1"/>
+          </a:fontRef>
+        </p:style>
+      </p:cxnSp>
+      <p:sp>
+        <p:nvSpPr>
+          <p:cNvPr id="30" name="Rectangle 29"/>
+          <p:cNvSpPr/>
+          <p:nvPr/>
+        </p:nvSpPr>
+        <p:spPr>
+          <a:xfrm>
+            <a:off x="762000" y="2209800"/>
+            <a:ext cx="1447800" cy="533400"/>
+          </a:xfrm>
+          <a:prstGeom prst="rect">
+            <a:avLst/>
+          </a:prstGeom>
+        </p:spPr>
+        <p:style>
+          <a:lnRef idx="2">
+            <a:schemeClr val="accent1">
+              <a:shade val="50000"/>
+            </a:schemeClr>
+          </a:lnRef>
+          <a:fillRef idx="1">
+            <a:schemeClr val="accent1"/>
+          </a:fillRef>
+          <a:effectRef idx="0">
+            <a:schemeClr val="accent1"/>
+          </a:effectRef>
+          <a:fontRef idx="minor">
+            <a:schemeClr val="lt1"/>
+          </a:fontRef>
+        </p:style>
+        <p:txBody>
+          <a:bodyPr rtlCol="0" anchor="ctr"/>
+          <a:lstStyle/>
+          <a:p>
+            <a:pPr algn="ctr"/>
+            <a:r>
+              <a:rPr lang="en-US" b="1" dirty="0" smtClean="0">
+                <a:solidFill>
+                  <a:schemeClr val="bg1"/>
+                </a:solidFill>
+              </a:rPr>
+              <a:t>Landing page</a:t>
+            </a:r>
+            <a:endParaRPr lang="en-US" b="1" dirty="0">
+              <a:solidFill>
+                <a:schemeClr val="bg1"/>
+              </a:solidFill>
+            </a:endParaRPr>
+          </a:p>
+        </p:txBody>
+      </p:sp>
+      <p:cxnSp>
+        <p:nvCxnSpPr>
+          <p:cNvPr id="34" name="Straight Arrow Connector 33"/>
+          <p:cNvCxnSpPr>
+            <a:stCxn id="12" idx="1"/>
+          </p:cNvCxnSpPr>
+          <p:nvPr/>
+        </p:nvCxnSpPr>
+        <p:spPr>
+          <a:xfrm rot="10800000">
+            <a:off x="2286000" y="2438400"/>
+            <a:ext cx="1066800" cy="1588"/>
+          </a:xfrm>
+          <a:prstGeom prst="straightConnector1">
+            <a:avLst/>
+          </a:prstGeom>
+          <a:ln>
+            <a:tailEnd type="arrow"/>
+          </a:ln>
+        </p:spPr>
+        <p:style>
+          <a:lnRef idx="1">
+            <a:schemeClr val="accent1"/>
+          </a:lnRef>
+          <a:fillRef idx="0">
+            <a:schemeClr val="accent1"/>
+          </a:fillRef>
+          <a:effectRef idx="0">
+            <a:schemeClr val="accent1"/>
+          </a:effectRef>
+          <a:fontRef idx="minor">
+            <a:schemeClr val="tx1"/>
+          </a:fontRef>
+        </p:style>
+      </p:cxnSp>
+      <p:sp>
+        <p:nvSpPr>
+          <p:cNvPr id="37" name="TextBox 36"/>
+          <p:cNvSpPr txBox="1"/>
+          <p:nvPr/>
+        </p:nvSpPr>
+        <p:spPr>
+          <a:xfrm>
+            <a:off x="6019800" y="685800"/>
+            <a:ext cx="2057400" cy="369332"/>
+          </a:xfrm>
+          <a:prstGeom prst="rect">
+            <a:avLst/>
+          </a:prstGeom>
+          <a:noFill/>
+        </p:spPr>
+        <p:txBody>
+          <a:bodyPr wrap="square" rtlCol="0">
+            <a:spAutoFit/>
+          </a:bodyPr>
+          <a:lstStyle/>
+          <a:p>
+            <a:r>
+              <a:rPr lang="en-US" dirty="0" smtClean="0"/>
+              <a:t>@Request Mapping</a:t>
+            </a:r>
+            <a:endParaRPr lang="en-US" dirty="0"/>
+          </a:p>
+        </p:txBody>
+      </p:sp>
+      <p:sp>
+        <p:nvSpPr>
+          <p:cNvPr id="38" name="TextBox 37"/>
+          <p:cNvSpPr txBox="1"/>
+          <p:nvPr/>
+        </p:nvSpPr>
+        <p:spPr>
+          <a:xfrm>
+            <a:off x="2438400" y="1219200"/>
+            <a:ext cx="304801" cy="369332"/>
+          </a:xfrm>
+          <a:prstGeom prst="rect">
+            <a:avLst/>
+          </a:prstGeom>
+          <a:noFill/>
+        </p:spPr>
+        <p:txBody>
+          <a:bodyPr wrap="square" rtlCol="0">
+            <a:spAutoFit/>
+          </a:bodyPr>
+          <a:lstStyle/>
+          <a:p>
+            <a:r>
+              <a:rPr lang="en-US" dirty="0" smtClean="0"/>
+              <a:t>1</a:t>
+            </a:r>
+            <a:endParaRPr lang="en-US" dirty="0"/>
+          </a:p>
+        </p:txBody>
+      </p:sp>
+      <p:sp>
+        <p:nvSpPr>
+          <p:cNvPr id="39" name="TextBox 38"/>
+          <p:cNvSpPr txBox="1"/>
+          <p:nvPr/>
+        </p:nvSpPr>
+        <p:spPr>
+          <a:xfrm>
+            <a:off x="3962400" y="1676400"/>
+            <a:ext cx="301686" cy="369332"/>
+          </a:xfrm>
+          <a:prstGeom prst="rect">
+            <a:avLst/>
+          </a:prstGeom>
+          <a:noFill/>
+        </p:spPr>
+        <p:txBody>
+          <a:bodyPr wrap="none" rtlCol="0">
+            <a:spAutoFit/>
+          </a:bodyPr>
+          <a:lstStyle/>
+          <a:p>
+            <a:r>
+              <a:rPr lang="en-US" dirty="0" smtClean="0"/>
+              <a:t>2</a:t>
+            </a:r>
+            <a:endParaRPr lang="en-US" dirty="0"/>
+          </a:p>
+        </p:txBody>
+      </p:sp>
+      <p:sp>
+        <p:nvSpPr>
+          <p:cNvPr id="40" name="TextBox 39"/>
+          <p:cNvSpPr txBox="1"/>
+          <p:nvPr/>
+        </p:nvSpPr>
+        <p:spPr>
+          <a:xfrm>
+            <a:off x="5257800" y="1676400"/>
+            <a:ext cx="152400" cy="369332"/>
+          </a:xfrm>
+          <a:prstGeom prst="rect">
+            <a:avLst/>
+          </a:prstGeom>
+          <a:noFill/>
+        </p:spPr>
+        <p:txBody>
+          <a:bodyPr wrap="square" rtlCol="0">
+            <a:spAutoFit/>
+          </a:bodyPr>
+          <a:lstStyle/>
+          <a:p>
+            <a:r>
+              <a:rPr lang="en-US" dirty="0" smtClean="0"/>
+              <a:t>3</a:t>
+            </a:r>
+            <a:endParaRPr lang="en-US" dirty="0"/>
+          </a:p>
+        </p:txBody>
+      </p:sp>
+      <p:sp>
+        <p:nvSpPr>
+          <p:cNvPr id="41" name="TextBox 40"/>
+          <p:cNvSpPr txBox="1"/>
+          <p:nvPr/>
+        </p:nvSpPr>
+        <p:spPr>
+          <a:xfrm>
+            <a:off x="7086600" y="2286000"/>
+            <a:ext cx="301686" cy="369332"/>
+          </a:xfrm>
+          <a:prstGeom prst="rect">
+            <a:avLst/>
+          </a:prstGeom>
+          <a:noFill/>
+        </p:spPr>
+        <p:txBody>
+          <a:bodyPr wrap="none" rtlCol="0">
+            <a:spAutoFit/>
+          </a:bodyPr>
+          <a:lstStyle/>
+          <a:p>
+            <a:r>
+              <a:rPr lang="en-US" dirty="0" smtClean="0"/>
+              <a:t>4</a:t>
+            </a:r>
+            <a:endParaRPr lang="en-US" dirty="0"/>
+          </a:p>
+        </p:txBody>
+      </p:sp>
+      <p:cxnSp>
+        <p:nvCxnSpPr>
+          <p:cNvPr id="43" name="Straight Arrow Connector 42"/>
+          <p:cNvCxnSpPr/>
+          <p:nvPr/>
+        </p:nvCxnSpPr>
+        <p:spPr>
+          <a:xfrm rot="10800000">
+            <a:off x="4876800" y="2819400"/>
+            <a:ext cx="1295400" cy="685800"/>
+          </a:xfrm>
+          <a:prstGeom prst="straightConnector1">
+            <a:avLst/>
+          </a:prstGeom>
+          <a:ln>
+            <a:tailEnd type="arrow"/>
+          </a:ln>
+        </p:spPr>
+        <p:style>
+          <a:lnRef idx="1">
+            <a:schemeClr val="accent1"/>
+          </a:lnRef>
+          <a:fillRef idx="0">
+            <a:schemeClr val="accent1"/>
+          </a:fillRef>
+          <a:effectRef idx="0">
+            <a:schemeClr val="accent1"/>
+          </a:effectRef>
+          <a:fontRef idx="minor">
+            <a:schemeClr val="tx1"/>
+          </a:fontRef>
+        </p:style>
+      </p:cxnSp>
+      <p:cxnSp>
+        <p:nvCxnSpPr>
+          <p:cNvPr id="45" name="Straight Arrow Connector 44"/>
+          <p:cNvCxnSpPr/>
+          <p:nvPr/>
+        </p:nvCxnSpPr>
+        <p:spPr>
+          <a:xfrm>
+            <a:off x="5029200" y="2743200"/>
+            <a:ext cx="1219200" cy="381000"/>
+          </a:xfrm>
+          <a:prstGeom prst="straightConnector1">
+            <a:avLst/>
+          </a:prstGeom>
+          <a:ln>
+            <a:tailEnd type="arrow"/>
+          </a:ln>
+        </p:spPr>
+        <p:style>
+          <a:lnRef idx="1">
+            <a:schemeClr val="accent1"/>
+          </a:lnRef>
+          <a:fillRef idx="0">
+            <a:schemeClr val="accent1"/>
+          </a:fillRef>
+          <a:effectRef idx="0">
+            <a:schemeClr val="accent1"/>
+          </a:effectRef>
+          <a:fontRef idx="minor">
+            <a:schemeClr val="tx1"/>
+          </a:fontRef>
+        </p:style>
+      </p:cxnSp>
+      <p:sp>
+        <p:nvSpPr>
+          <p:cNvPr id="46" name="TextBox 45"/>
+          <p:cNvSpPr txBox="1"/>
+          <p:nvPr/>
+        </p:nvSpPr>
+        <p:spPr>
+          <a:xfrm>
+            <a:off x="5562600" y="3200400"/>
+            <a:ext cx="228600" cy="369332"/>
+          </a:xfrm>
+          <a:prstGeom prst="rect">
+            <a:avLst/>
+          </a:prstGeom>
+          <a:noFill/>
+        </p:spPr>
+        <p:txBody>
+          <a:bodyPr wrap="square" rtlCol="0">
+            <a:spAutoFit/>
+          </a:bodyPr>
+          <a:lstStyle/>
+          <a:p>
+            <a:r>
+              <a:rPr lang="en-US" dirty="0" smtClean="0"/>
+              <a:t>5</a:t>
+            </a:r>
+            <a:endParaRPr lang="en-US" dirty="0"/>
+          </a:p>
+        </p:txBody>
+      </p:sp>
+      <p:sp>
+        <p:nvSpPr>
+          <p:cNvPr id="47" name="TextBox 46"/>
+          <p:cNvSpPr txBox="1"/>
+          <p:nvPr/>
+        </p:nvSpPr>
+        <p:spPr>
+          <a:xfrm>
+            <a:off x="3505200" y="3276600"/>
+            <a:ext cx="377886" cy="369332"/>
+          </a:xfrm>
+          <a:prstGeom prst="rect">
+            <a:avLst/>
+          </a:prstGeom>
+          <a:noFill/>
+        </p:spPr>
+        <p:txBody>
+          <a:bodyPr wrap="square" rtlCol="0">
+            <a:spAutoFit/>
+          </a:bodyPr>
+          <a:lstStyle/>
+          <a:p>
+            <a:r>
+              <a:rPr lang="en-US" dirty="0" smtClean="0"/>
+              <a:t>6</a:t>
+            </a:r>
+            <a:endParaRPr lang="en-US" dirty="0"/>
+          </a:p>
+        </p:txBody>
+      </p:sp>
+      <p:sp>
+        <p:nvSpPr>
+          <p:cNvPr id="48" name="TextBox 47"/>
+          <p:cNvSpPr txBox="1"/>
+          <p:nvPr/>
+        </p:nvSpPr>
+        <p:spPr>
+          <a:xfrm>
+            <a:off x="4343400" y="3276600"/>
+            <a:ext cx="301686" cy="369332"/>
+          </a:xfrm>
+          <a:prstGeom prst="rect">
+            <a:avLst/>
+          </a:prstGeom>
+          <a:noFill/>
+        </p:spPr>
+        <p:txBody>
+          <a:bodyPr wrap="none" rtlCol="0">
+            <a:spAutoFit/>
+          </a:bodyPr>
+          <a:lstStyle/>
+          <a:p>
+            <a:r>
+              <a:rPr lang="en-US" dirty="0" smtClean="0"/>
+              <a:t>7</a:t>
+            </a:r>
+            <a:endParaRPr lang="en-US" dirty="0"/>
+          </a:p>
+        </p:txBody>
+      </p:sp>
+      <p:sp>
+        <p:nvSpPr>
+          <p:cNvPr id="49" name="TextBox 48"/>
+          <p:cNvSpPr txBox="1"/>
+          <p:nvPr/>
+        </p:nvSpPr>
+        <p:spPr>
+          <a:xfrm>
+            <a:off x="5715000" y="2667000"/>
+            <a:ext cx="152400" cy="369332"/>
+          </a:xfrm>
+          <a:prstGeom prst="rect">
+            <a:avLst/>
+          </a:prstGeom>
+          <a:noFill/>
+        </p:spPr>
+        <p:txBody>
+          <a:bodyPr wrap="square" rtlCol="0">
+            <a:spAutoFit/>
+          </a:bodyPr>
+          <a:lstStyle/>
+          <a:p>
+            <a:r>
+              <a:rPr lang="en-US" dirty="0" smtClean="0"/>
+              <a:t>8</a:t>
+            </a:r>
+            <a:endParaRPr lang="en-US" dirty="0"/>
+          </a:p>
+        </p:txBody>
+      </p:sp>
+      <p:sp>
+        <p:nvSpPr>
+          <p:cNvPr id="50" name="TextBox 49"/>
+          <p:cNvSpPr txBox="1"/>
+          <p:nvPr/>
+        </p:nvSpPr>
+        <p:spPr>
+          <a:xfrm>
+            <a:off x="2743200" y="2133600"/>
+            <a:ext cx="301686" cy="369332"/>
+          </a:xfrm>
+          <a:prstGeom prst="rect">
+            <a:avLst/>
+          </a:prstGeom>
+          <a:noFill/>
+        </p:spPr>
+        <p:txBody>
+          <a:bodyPr wrap="square" rtlCol="0">
+            <a:spAutoFit/>
+          </a:bodyPr>
+          <a:lstStyle/>
+          <a:p>
+            <a:r>
+              <a:rPr lang="en-US" dirty="0" smtClean="0"/>
+              <a:t>9</a:t>
+            </a:r>
+            <a:endParaRPr lang="en-US" dirty="0"/>
+          </a:p>
+        </p:txBody>
+      </p:sp>
+    </p:spTree>
+  </p:cSld>
+  <p:clrMapOvr>
+    <a:masterClrMapping/>
+  </p:clrMapOvr>
+  <p:timing>
+    <p:tnLst>
+      <p:par>
+        <p:cTn id="1" dur="indefinite" restart="never" nodeType="tmRoot"/>
+      </p:par>
+    </p:tnLst>
+  </p:timing>
+</p:sld>
+</file>
+
+<file path=ppt/slides/slide8.xml><?xml version="1.0" encoding="utf-8"?>
+<p:sld xmlns:a="http://schemas.openxmlformats.org/drawingml/2006/main" xmlns:r="http://schemas.openxmlformats.org/officeDocument/2006/relationships" xmlns:p="http://schemas.openxmlformats.org/presentationml/2006/main">
+  <p:cSld>
+    <p:spTree>
+      <p:nvGrpSpPr>
+        <p:cNvPr id="1" name=""/>
+        <p:cNvGrpSpPr/>
+        <p:nvPr/>
+      </p:nvGrpSpPr>
+      <p:grpSpPr>
+        <a:xfrm>
+          <a:off x="0" y="0"/>
+          <a:ext cx="0" cy="0"/>
+          <a:chOff x="0" y="0"/>
+          <a:chExt cx="0" cy="0"/>
+        </a:xfrm>
+      </p:grpSpPr>
+      <p:pic>
+        <p:nvPicPr>
+          <p:cNvPr id="2" name="Picture 1" descr="home.JPG"/>
+          <p:cNvPicPr>
+            <a:picLocks noChangeAspect="1"/>
+          </p:cNvPicPr>
+          <p:nvPr/>
+        </p:nvPicPr>
+        <p:blipFill>
+          <a:blip r:embed="rId2"/>
+          <a:stretch>
+            <a:fillRect/>
+          </a:stretch>
+        </p:blipFill>
+        <p:spPr>
+          <a:xfrm>
+            <a:off x="0" y="914400"/>
+            <a:ext cx="9144000" cy="4687062"/>
+          </a:xfrm>
+          <a:prstGeom prst="rect">
+            <a:avLst/>
+          </a:prstGeom>
+        </p:spPr>
+      </p:pic>
+      <p:sp>
+        <p:nvSpPr>
+          <p:cNvPr id="3" name="TextBox 2"/>
+          <p:cNvSpPr txBox="1"/>
+          <p:nvPr/>
+        </p:nvSpPr>
+        <p:spPr>
+          <a:xfrm>
+            <a:off x="3581400" y="304800"/>
+            <a:ext cx="1295400" cy="461665"/>
+          </a:xfrm>
+          <a:prstGeom prst="rect">
+            <a:avLst/>
+          </a:prstGeom>
+          <a:noFill/>
+        </p:spPr>
+        <p:txBody>
+          <a:bodyPr wrap="square" rtlCol="0">
+            <a:spAutoFit/>
+          </a:bodyPr>
+          <a:lstStyle/>
+          <a:p>
+            <a:r>
+              <a:rPr lang="en-US" sz="2400" b="1" dirty="0" smtClean="0">
+                <a:solidFill>
+                  <a:srgbClr val="002060"/>
+                </a:solidFill>
+              </a:rPr>
+              <a:t>Output</a:t>
+            </a:r>
+            <a:endParaRPr lang="en-US" sz="2400" b="1" dirty="0">
+              <a:solidFill>
+                <a:srgbClr val="002060"/>
+              </a:solidFill>
+            </a:endParaRPr>
+          </a:p>
+        </p:txBody>
+      </p:sp>
+    </p:spTree>
+  </p:cSld>
+  <p:clrMapOvr>
+    <a:masterClrMapping/>
+  </p:clrMapOvr>
+  <p:timing>
+    <p:tnLst>
+      <p:par>
+        <p:cTn id="1" dur="indefinite" restart="never" nodeType="tmRoot"/>
+      </p:par>
+    </p:tnLst>
+  </p:timing>
+</p:sld>
+</file>
+
+<file path=ppt/slides/slide9.xml><?xml version="1.0" encoding="utf-8"?>
+<p:sld xmlns:a="http://schemas.openxmlformats.org/drawingml/2006/main" xmlns:r="http://schemas.openxmlformats.org/officeDocument/2006/relationships" xmlns:p="http://schemas.openxmlformats.org/presentationml/2006/main">
+  <p:cSld>
+    <p:spTree>
+      <p:nvGrpSpPr>
+        <p:cNvPr id="1" name=""/>
+        <p:cNvGrpSpPr/>
+        <p:nvPr/>
+      </p:nvGrpSpPr>
+      <p:grpSpPr>
+        <a:xfrm>
+          <a:off x="0" y="0"/>
+          <a:ext cx="0" cy="0"/>
+          <a:chOff x="0" y="0"/>
+          <a:chExt cx="0" cy="0"/>
+        </a:xfrm>
+      </p:grpSpPr>
+      <p:pic>
+        <p:nvPicPr>
+          <p:cNvPr id="2" name="Picture 1" descr="login.JPG"/>
+          <p:cNvPicPr>
+            <a:picLocks noChangeAspect="1"/>
+          </p:cNvPicPr>
+          <p:nvPr/>
+        </p:nvPicPr>
+        <p:blipFill>
+          <a:blip r:embed="rId2"/>
+          <a:stretch>
+            <a:fillRect/>
+          </a:stretch>
+        </p:blipFill>
+        <p:spPr>
+          <a:xfrm>
+            <a:off x="0" y="838200"/>
+            <a:ext cx="9144000" cy="5105400"/>
+          </a:xfrm>
+          <a:prstGeom prst="rect">
+            <a:avLst/>
+          </a:prstGeom>
+        </p:spPr>
+      </p:pic>
+    </p:spTree>
+  </p:cSld>
+  <p:clrMapOvr>
+    <a:masterClrMapping/>
+  </p:clrMapOvr>
 </p:sld>
 </file>
 
